--- a/docs/diagrams/BudgetCommandActivityDiagram.pptx
+++ b/docs/diagrams/BudgetCommandActivityDiagram.pptx
@@ -3470,49 +3470,6 @@
           </a:p>
         </p:txBody>
       </p:sp>
-      <p:cxnSp>
-        <p:nvCxnSpPr>
-          <p:cNvPr id="7" name="Straight Arrow Connector 6">
-            <a:extLst>
-              <a:ext uri="{FF2B5EF4-FFF2-40B4-BE49-F238E27FC236}">
-                <a16:creationId xmlns:a16="http://schemas.microsoft.com/office/drawing/2014/main" id="{9089B2AF-8611-49D3-9213-68A1233A7803}"/>
-              </a:ext>
-            </a:extLst>
-          </p:cNvPr>
-          <p:cNvCxnSpPr>
-            <a:cxnSpLocks/>
-            <a:stCxn id="6" idx="3"/>
-            <a:endCxn id="12" idx="1"/>
-          </p:cNvCxnSpPr>
-          <p:nvPr/>
-        </p:nvCxnSpPr>
-        <p:spPr>
-          <a:xfrm flipV="1">
-            <a:off x="2645173" y="3274177"/>
-            <a:ext cx="1043331" cy="2950"/>
-          </a:xfrm>
-          <a:prstGeom prst="straightConnector1">
-            <a:avLst/>
-          </a:prstGeom>
-          <a:ln>
-            <a:tailEnd type="triangle"/>
-          </a:ln>
-        </p:spPr>
-        <p:style>
-          <a:lnRef idx="1">
-            <a:schemeClr val="dk1"/>
-          </a:lnRef>
-          <a:fillRef idx="0">
-            <a:schemeClr val="dk1"/>
-          </a:fillRef>
-          <a:effectRef idx="0">
-            <a:schemeClr val="dk1"/>
-          </a:effectRef>
-          <a:fontRef idx="minor">
-            <a:schemeClr val="tx1"/>
-          </a:fontRef>
-        </p:style>
-      </p:cxnSp>
       <p:sp>
         <p:nvSpPr>
           <p:cNvPr id="8" name="Diamond 7">
@@ -3527,7 +3484,7 @@
         </p:nvSpPr>
         <p:spPr>
           <a:xfrm>
-            <a:off x="9650678" y="3075397"/>
+            <a:off x="9519858" y="1800798"/>
             <a:ext cx="480766" cy="480766"/>
           </a:xfrm>
           <a:prstGeom prst="diamond">
@@ -3576,7 +3533,7 @@
         </p:nvSpPr>
         <p:spPr>
           <a:xfrm>
-            <a:off x="2349425" y="4284984"/>
+            <a:off x="4121987" y="2918642"/>
             <a:ext cx="1877153" cy="369460"/>
           </a:xfrm>
           <a:prstGeom prst="rect">
@@ -3611,8 +3568,8 @@
         </p:nvSpPr>
         <p:spPr>
           <a:xfrm>
-            <a:off x="2843164" y="2224772"/>
-            <a:ext cx="1819594" cy="369460"/>
+            <a:off x="4428902" y="848246"/>
+            <a:ext cx="1563814" cy="369460"/>
           </a:xfrm>
           <a:prstGeom prst="rect">
             <a:avLst/>
@@ -3655,7 +3612,7 @@
         </p:nvSpPr>
         <p:spPr>
           <a:xfrm>
-            <a:off x="3688504" y="3033794"/>
+            <a:off x="4466268" y="1667452"/>
             <a:ext cx="480766" cy="480766"/>
           </a:xfrm>
           <a:prstGeom prst="diamond">
@@ -3701,15 +3658,14 @@
           </p:cNvPr>
           <p:cNvCxnSpPr>
             <a:cxnSpLocks/>
-            <a:stCxn id="8" idx="3"/>
-            <a:endCxn id="15" idx="2"/>
+            <a:stCxn id="21" idx="3"/>
           </p:cNvCxnSpPr>
           <p:nvPr/>
         </p:nvCxnSpPr>
         <p:spPr>
           <a:xfrm>
-            <a:off x="10131444" y="3315780"/>
-            <a:ext cx="419377" cy="7529"/>
+            <a:off x="10719545" y="4098855"/>
+            <a:ext cx="447991" cy="0"/>
           </a:xfrm>
           <a:prstGeom prst="straightConnector1">
             <a:avLst/>
@@ -3747,7 +3703,7 @@
         </p:nvGrpSpPr>
         <p:grpSpPr>
           <a:xfrm>
-            <a:off x="10550821" y="3205474"/>
+            <a:off x="11167536" y="3990426"/>
             <a:ext cx="235669" cy="235669"/>
             <a:chOff x="8040730" y="5082186"/>
             <a:chExt cx="235669" cy="235669"/>
@@ -3867,14 +3823,13 @@
           <p:cNvCxnSpPr>
             <a:cxnSpLocks/>
             <a:stCxn id="12" idx="0"/>
-            <a:endCxn id="20" idx="1"/>
           </p:cNvCxnSpPr>
           <p:nvPr/>
         </p:nvCxnSpPr>
         <p:spPr>
           <a:xfrm rot="5400000" flipH="1" flipV="1">
-            <a:off x="4660205" y="1876964"/>
-            <a:ext cx="425513" cy="1888148"/>
+            <a:off x="5185057" y="756508"/>
+            <a:ext cx="432538" cy="1389351"/>
           </a:xfrm>
           <a:prstGeom prst="bentConnector2">
             <a:avLst/>
@@ -3910,14 +3865,13 @@
           <p:cNvCxnSpPr>
             <a:cxnSpLocks/>
             <a:stCxn id="12" idx="2"/>
-            <a:endCxn id="33" idx="1"/>
           </p:cNvCxnSpPr>
           <p:nvPr/>
         </p:nvCxnSpPr>
         <p:spPr>
           <a:xfrm rot="16200000" flipH="1">
-            <a:off x="4482251" y="2961195"/>
-            <a:ext cx="770425" cy="1877153"/>
+            <a:off x="5016113" y="1838755"/>
+            <a:ext cx="770424" cy="1389349"/>
           </a:xfrm>
           <a:prstGeom prst="bentConnector2">
             <a:avLst/>
@@ -3959,8 +3913,8 @@
         </p:nvCxnSpPr>
         <p:spPr>
           <a:xfrm>
-            <a:off x="8028222" y="2608281"/>
-            <a:ext cx="1862839" cy="467116"/>
+            <a:off x="8304269" y="1258195"/>
+            <a:ext cx="1455972" cy="542603"/>
           </a:xfrm>
           <a:prstGeom prst="bentConnector2">
             <a:avLst/>
@@ -3998,7 +3952,7 @@
         </p:nvSpPr>
         <p:spPr>
           <a:xfrm>
-            <a:off x="5817035" y="1958640"/>
+            <a:off x="6093082" y="608554"/>
             <a:ext cx="2211187" cy="1299281"/>
           </a:xfrm>
           <a:prstGeom prst="roundRect">
@@ -4050,7 +4004,7 @@
         </p:nvSpPr>
         <p:spPr>
           <a:xfrm>
-            <a:off x="5806040" y="3635345"/>
+            <a:off x="6093082" y="2289123"/>
             <a:ext cx="2255462" cy="1299280"/>
           </a:xfrm>
           <a:prstGeom prst="roundRect">
@@ -4106,8 +4060,8 @@
         </p:nvCxnSpPr>
         <p:spPr>
           <a:xfrm flipV="1">
-            <a:off x="8061502" y="3556163"/>
-            <a:ext cx="1829559" cy="728822"/>
+            <a:off x="8348544" y="2281564"/>
+            <a:ext cx="1411697" cy="657199"/>
           </a:xfrm>
           <a:prstGeom prst="bentConnector2">
             <a:avLst/>
@@ -4131,6 +4085,460 @@
           </a:fontRef>
         </p:style>
       </p:cxnSp>
+      <p:sp>
+        <p:nvSpPr>
+          <p:cNvPr id="21" name="Diamond 20">
+            <a:extLst>
+              <a:ext uri="{FF2B5EF4-FFF2-40B4-BE49-F238E27FC236}">
+                <a16:creationId xmlns:a16="http://schemas.microsoft.com/office/drawing/2014/main" id="{55DCEBFE-117E-4449-B9D0-A435783427B3}"/>
+              </a:ext>
+            </a:extLst>
+          </p:cNvPr>
+          <p:cNvSpPr/>
+          <p:nvPr/>
+        </p:nvSpPr>
+        <p:spPr>
+          <a:xfrm>
+            <a:off x="10238779" y="3858472"/>
+            <a:ext cx="480766" cy="480766"/>
+          </a:xfrm>
+          <a:prstGeom prst="diamond">
+            <a:avLst/>
+          </a:prstGeom>
+        </p:spPr>
+        <p:style>
+          <a:lnRef idx="1">
+            <a:schemeClr val="accent6"/>
+          </a:lnRef>
+          <a:fillRef idx="2">
+            <a:schemeClr val="accent6"/>
+          </a:fillRef>
+          <a:effectRef idx="1">
+            <a:schemeClr val="accent6"/>
+          </a:effectRef>
+          <a:fontRef idx="minor">
+            <a:schemeClr val="dk1"/>
+          </a:fontRef>
+        </p:style>
+        <p:txBody>
+          <a:bodyPr rot="0" spcFirstLastPara="0" vertOverflow="overflow" horzOverflow="overflow" vert="horz" wrap="square" lIns="91440" tIns="45721" rIns="91440" bIns="45721" numCol="1" spcCol="0" rtlCol="0" fromWordArt="0" anchor="ctr" anchorCtr="0" forceAA="0" compatLnSpc="1">
+            <a:prstTxWarp prst="textNoShape">
+              <a:avLst/>
+            </a:prstTxWarp>
+            <a:noAutofit/>
+          </a:bodyPr>
+          <a:lstStyle/>
+          <a:p>
+            <a:pPr algn="ctr"/>
+            <a:endParaRPr lang="en-SG" sz="1801"/>
+          </a:p>
+        </p:txBody>
+      </p:sp>
+      <p:sp>
+        <p:nvSpPr>
+          <p:cNvPr id="25" name="Diamond 24">
+            <a:extLst>
+              <a:ext uri="{FF2B5EF4-FFF2-40B4-BE49-F238E27FC236}">
+                <a16:creationId xmlns:a16="http://schemas.microsoft.com/office/drawing/2014/main" id="{D3785D2D-5967-BD4D-978F-584C4E8398E8}"/>
+              </a:ext>
+            </a:extLst>
+          </p:cNvPr>
+          <p:cNvSpPr/>
+          <p:nvPr/>
+        </p:nvSpPr>
+        <p:spPr>
+          <a:xfrm>
+            <a:off x="3193366" y="3057542"/>
+            <a:ext cx="480766" cy="480766"/>
+          </a:xfrm>
+          <a:prstGeom prst="diamond">
+            <a:avLst/>
+          </a:prstGeom>
+        </p:spPr>
+        <p:style>
+          <a:lnRef idx="1">
+            <a:schemeClr val="accent6"/>
+          </a:lnRef>
+          <a:fillRef idx="2">
+            <a:schemeClr val="accent6"/>
+          </a:fillRef>
+          <a:effectRef idx="1">
+            <a:schemeClr val="accent6"/>
+          </a:effectRef>
+          <a:fontRef idx="minor">
+            <a:schemeClr val="dk1"/>
+          </a:fontRef>
+        </p:style>
+        <p:txBody>
+          <a:bodyPr rot="0" spcFirstLastPara="0" vertOverflow="overflow" horzOverflow="overflow" vert="horz" wrap="square" lIns="91440" tIns="45721" rIns="91440" bIns="45721" numCol="1" spcCol="0" rtlCol="0" fromWordArt="0" anchor="ctr" anchorCtr="0" forceAA="0" compatLnSpc="1">
+            <a:prstTxWarp prst="textNoShape">
+              <a:avLst/>
+            </a:prstTxWarp>
+            <a:noAutofit/>
+          </a:bodyPr>
+          <a:lstStyle/>
+          <a:p>
+            <a:pPr algn="ctr"/>
+            <a:endParaRPr lang="en-SG" sz="1801"/>
+          </a:p>
+        </p:txBody>
+      </p:sp>
+      <p:cxnSp>
+        <p:nvCxnSpPr>
+          <p:cNvPr id="32" name="Straight Arrow Connector 31">
+            <a:extLst>
+              <a:ext uri="{FF2B5EF4-FFF2-40B4-BE49-F238E27FC236}">
+                <a16:creationId xmlns:a16="http://schemas.microsoft.com/office/drawing/2014/main" id="{69CC387F-D697-AC4A-845B-7F74BC0746AD}"/>
+              </a:ext>
+            </a:extLst>
+          </p:cNvPr>
+          <p:cNvCxnSpPr>
+            <a:cxnSpLocks/>
+          </p:cNvCxnSpPr>
+          <p:nvPr/>
+        </p:nvCxnSpPr>
+        <p:spPr>
+          <a:xfrm>
+            <a:off x="2649175" y="3297925"/>
+            <a:ext cx="544191" cy="0"/>
+          </a:xfrm>
+          <a:prstGeom prst="straightConnector1">
+            <a:avLst/>
+          </a:prstGeom>
+          <a:ln>
+            <a:tailEnd type="triangle"/>
+          </a:ln>
+        </p:spPr>
+        <p:style>
+          <a:lnRef idx="1">
+            <a:schemeClr val="dk1"/>
+          </a:lnRef>
+          <a:fillRef idx="0">
+            <a:schemeClr val="dk1"/>
+          </a:fillRef>
+          <a:effectRef idx="0">
+            <a:schemeClr val="dk1"/>
+          </a:effectRef>
+          <a:fontRef idx="minor">
+            <a:schemeClr val="tx1"/>
+          </a:fontRef>
+        </p:style>
+      </p:cxnSp>
+      <p:sp>
+        <p:nvSpPr>
+          <p:cNvPr id="49" name="Rectangle: Rounded Corners 32">
+            <a:extLst>
+              <a:ext uri="{FF2B5EF4-FFF2-40B4-BE49-F238E27FC236}">
+                <a16:creationId xmlns:a16="http://schemas.microsoft.com/office/drawing/2014/main" id="{920FCA79-8EB3-5F4C-9E26-F5D429AF7C1A}"/>
+              </a:ext>
+            </a:extLst>
+          </p:cNvPr>
+          <p:cNvSpPr/>
+          <p:nvPr/>
+        </p:nvSpPr>
+        <p:spPr>
+          <a:xfrm>
+            <a:off x="6048807" y="4480185"/>
+            <a:ext cx="2255462" cy="1299280"/>
+          </a:xfrm>
+          <a:prstGeom prst="roundRect">
+            <a:avLst/>
+          </a:prstGeom>
+        </p:spPr>
+        <p:style>
+          <a:lnRef idx="1">
+            <a:schemeClr val="accent6"/>
+          </a:lnRef>
+          <a:fillRef idx="2">
+            <a:schemeClr val="accent6"/>
+          </a:fillRef>
+          <a:effectRef idx="1">
+            <a:schemeClr val="accent6"/>
+          </a:effectRef>
+          <a:fontRef idx="minor">
+            <a:schemeClr val="dk1"/>
+          </a:fontRef>
+        </p:style>
+        <p:txBody>
+          <a:bodyPr rot="0" spcFirstLastPara="0" vertOverflow="overflow" horzOverflow="overflow" vert="horz" wrap="square" lIns="91440" tIns="45721" rIns="91440" bIns="45721" numCol="1" spcCol="0" rtlCol="0" fromWordArt="0" anchor="ctr" anchorCtr="0" forceAA="0" compatLnSpc="1">
+            <a:prstTxWarp prst="textNoShape">
+              <a:avLst/>
+            </a:prstTxWarp>
+            <a:noAutofit/>
+          </a:bodyPr>
+          <a:lstStyle/>
+          <a:p>
+            <a:pPr algn="ctr"/>
+            <a:r>
+              <a:rPr lang="en-SG" sz="1801" dirty="0"/>
+              <a:t>Display Error Message</a:t>
+            </a:r>
+          </a:p>
+        </p:txBody>
+      </p:sp>
+      <p:cxnSp>
+        <p:nvCxnSpPr>
+          <p:cNvPr id="50" name="Elbow Connector 73">
+            <a:extLst>
+              <a:ext uri="{FF2B5EF4-FFF2-40B4-BE49-F238E27FC236}">
+                <a16:creationId xmlns:a16="http://schemas.microsoft.com/office/drawing/2014/main" id="{CB03BCD3-26B8-3C47-8D4F-A1D867908E9F}"/>
+              </a:ext>
+            </a:extLst>
+          </p:cNvPr>
+          <p:cNvCxnSpPr>
+            <a:cxnSpLocks/>
+          </p:cNvCxnSpPr>
+          <p:nvPr/>
+        </p:nvCxnSpPr>
+        <p:spPr>
+          <a:xfrm flipV="1">
+            <a:off x="8304269" y="4339238"/>
+            <a:ext cx="2174893" cy="833666"/>
+          </a:xfrm>
+          <a:prstGeom prst="bentConnector3">
+            <a:avLst>
+              <a:gd name="adj1" fmla="val 100314"/>
+            </a:avLst>
+          </a:prstGeom>
+          <a:ln>
+            <a:tailEnd type="triangle"/>
+          </a:ln>
+        </p:spPr>
+        <p:style>
+          <a:lnRef idx="1">
+            <a:schemeClr val="dk1"/>
+          </a:lnRef>
+          <a:fillRef idx="0">
+            <a:schemeClr val="dk1"/>
+          </a:fillRef>
+          <a:effectRef idx="0">
+            <a:schemeClr val="dk1"/>
+          </a:effectRef>
+          <a:fontRef idx="minor">
+            <a:schemeClr val="tx1"/>
+          </a:fontRef>
+        </p:style>
+      </p:cxnSp>
+      <p:cxnSp>
+        <p:nvCxnSpPr>
+          <p:cNvPr id="53" name="Elbow Connector 73">
+            <a:extLst>
+              <a:ext uri="{FF2B5EF4-FFF2-40B4-BE49-F238E27FC236}">
+                <a16:creationId xmlns:a16="http://schemas.microsoft.com/office/drawing/2014/main" id="{6C7BC5E5-D82D-7B4F-A011-C9F53B26C969}"/>
+              </a:ext>
+            </a:extLst>
+          </p:cNvPr>
+          <p:cNvCxnSpPr>
+            <a:cxnSpLocks/>
+            <a:endCxn id="21" idx="0"/>
+          </p:cNvCxnSpPr>
+          <p:nvPr/>
+        </p:nvCxnSpPr>
+        <p:spPr>
+          <a:xfrm rot="16200000" flipH="1">
+            <a:off x="9331247" y="2710557"/>
+            <a:ext cx="1817292" cy="478537"/>
+          </a:xfrm>
+          <a:prstGeom prst="bentConnector3">
+            <a:avLst>
+              <a:gd name="adj1" fmla="val -317"/>
+            </a:avLst>
+          </a:prstGeom>
+          <a:ln>
+            <a:tailEnd type="triangle"/>
+          </a:ln>
+        </p:spPr>
+        <p:style>
+          <a:lnRef idx="1">
+            <a:schemeClr val="dk1"/>
+          </a:lnRef>
+          <a:fillRef idx="0">
+            <a:schemeClr val="dk1"/>
+          </a:fillRef>
+          <a:effectRef idx="0">
+            <a:schemeClr val="dk1"/>
+          </a:effectRef>
+          <a:fontRef idx="minor">
+            <a:schemeClr val="tx1"/>
+          </a:fontRef>
+        </p:style>
+      </p:cxnSp>
+      <p:cxnSp>
+        <p:nvCxnSpPr>
+          <p:cNvPr id="56" name="Elbow Connector 71">
+            <a:extLst>
+              <a:ext uri="{FF2B5EF4-FFF2-40B4-BE49-F238E27FC236}">
+                <a16:creationId xmlns:a16="http://schemas.microsoft.com/office/drawing/2014/main" id="{71709DBD-8C31-B941-B8B4-45FFC9EDB941}"/>
+              </a:ext>
+            </a:extLst>
+          </p:cNvPr>
+          <p:cNvCxnSpPr>
+            <a:cxnSpLocks/>
+            <a:stCxn id="25" idx="2"/>
+          </p:cNvCxnSpPr>
+          <p:nvPr/>
+        </p:nvCxnSpPr>
+        <p:spPr>
+          <a:xfrm rot="16200000" flipH="1">
+            <a:off x="3911370" y="3060687"/>
+            <a:ext cx="1652242" cy="2607484"/>
+          </a:xfrm>
+          <a:prstGeom prst="bentConnector2">
+            <a:avLst/>
+          </a:prstGeom>
+          <a:ln>
+            <a:tailEnd type="triangle"/>
+          </a:ln>
+        </p:spPr>
+        <p:style>
+          <a:lnRef idx="1">
+            <a:schemeClr val="dk1"/>
+          </a:lnRef>
+          <a:fillRef idx="0">
+            <a:schemeClr val="dk1"/>
+          </a:fillRef>
+          <a:effectRef idx="0">
+            <a:schemeClr val="dk1"/>
+          </a:effectRef>
+          <a:fontRef idx="minor">
+            <a:schemeClr val="tx1"/>
+          </a:fontRef>
+        </p:style>
+      </p:cxnSp>
+      <p:cxnSp>
+        <p:nvCxnSpPr>
+          <p:cNvPr id="63" name="Elbow Connector 65">
+            <a:extLst>
+              <a:ext uri="{FF2B5EF4-FFF2-40B4-BE49-F238E27FC236}">
+                <a16:creationId xmlns:a16="http://schemas.microsoft.com/office/drawing/2014/main" id="{EB9F13DF-6ACC-7742-9A2E-1AE404576B84}"/>
+              </a:ext>
+            </a:extLst>
+          </p:cNvPr>
+          <p:cNvCxnSpPr>
+            <a:cxnSpLocks/>
+            <a:stCxn id="25" idx="0"/>
+          </p:cNvCxnSpPr>
+          <p:nvPr/>
+        </p:nvCxnSpPr>
+        <p:spPr>
+          <a:xfrm rot="5400000" flipH="1" flipV="1">
+            <a:off x="3363982" y="1977605"/>
+            <a:ext cx="1149705" cy="1010171"/>
+          </a:xfrm>
+          <a:prstGeom prst="bentConnector3">
+            <a:avLst>
+              <a:gd name="adj1" fmla="val 100016"/>
+            </a:avLst>
+          </a:prstGeom>
+          <a:ln>
+            <a:tailEnd type="triangle"/>
+          </a:ln>
+        </p:spPr>
+        <p:style>
+          <a:lnRef idx="1">
+            <a:schemeClr val="dk1"/>
+          </a:lnRef>
+          <a:fillRef idx="0">
+            <a:schemeClr val="dk1"/>
+          </a:fillRef>
+          <a:effectRef idx="0">
+            <a:schemeClr val="dk1"/>
+          </a:effectRef>
+          <a:fontRef idx="minor">
+            <a:schemeClr val="tx1"/>
+          </a:fontRef>
+        </p:style>
+      </p:cxnSp>
+      <p:sp>
+        <p:nvSpPr>
+          <p:cNvPr id="67" name="TextBox 66">
+            <a:extLst>
+              <a:ext uri="{FF2B5EF4-FFF2-40B4-BE49-F238E27FC236}">
+                <a16:creationId xmlns:a16="http://schemas.microsoft.com/office/drawing/2014/main" id="{5179F411-1A0F-EB4D-A5EF-7FCF5FC906C2}"/>
+              </a:ext>
+            </a:extLst>
+          </p:cNvPr>
+          <p:cNvSpPr txBox="1"/>
+          <p:nvPr/>
+        </p:nvSpPr>
+        <p:spPr>
+          <a:xfrm>
+            <a:off x="1574276" y="1606907"/>
+            <a:ext cx="2413454" cy="338554"/>
+          </a:xfrm>
+          <a:prstGeom prst="rect">
+            <a:avLst/>
+          </a:prstGeom>
+          <a:noFill/>
+        </p:spPr>
+        <p:txBody>
+          <a:bodyPr wrap="square" rtlCol="0">
+            <a:spAutoFit/>
+          </a:bodyPr>
+          <a:lstStyle/>
+          <a:p>
+            <a:pPr algn="ctr"/>
+            <a:r>
+              <a:rPr lang="en-SG" sz="1600" dirty="0"/>
+              <a:t>[</a:t>
+            </a:r>
+            <a:r>
+              <a:rPr lang="en-US" sz="1600" dirty="0"/>
+              <a:t>correct command format</a:t>
+            </a:r>
+            <a:r>
+              <a:rPr lang="en-US" sz="1400" dirty="0"/>
+              <a:t>]</a:t>
+            </a:r>
+            <a:endParaRPr lang="en-SG" sz="1600" dirty="0"/>
+          </a:p>
+        </p:txBody>
+      </p:sp>
+      <p:sp>
+        <p:nvSpPr>
+          <p:cNvPr id="68" name="TextBox 67">
+            <a:extLst>
+              <a:ext uri="{FF2B5EF4-FFF2-40B4-BE49-F238E27FC236}">
+                <a16:creationId xmlns:a16="http://schemas.microsoft.com/office/drawing/2014/main" id="{34F54A9C-8C3B-664D-B08E-8AA79386449E}"/>
+              </a:ext>
+            </a:extLst>
+          </p:cNvPr>
+          <p:cNvSpPr txBox="1"/>
+          <p:nvPr/>
+        </p:nvSpPr>
+        <p:spPr>
+          <a:xfrm>
+            <a:off x="1662858" y="5302255"/>
+            <a:ext cx="2607484" cy="338554"/>
+          </a:xfrm>
+          <a:prstGeom prst="rect">
+            <a:avLst/>
+          </a:prstGeom>
+          <a:noFill/>
+        </p:spPr>
+        <p:txBody>
+          <a:bodyPr wrap="square" rtlCol="0">
+            <a:spAutoFit/>
+          </a:bodyPr>
+          <a:lstStyle/>
+          <a:p>
+            <a:pPr algn="ctr"/>
+            <a:r>
+              <a:rPr lang="en-SG" sz="1600" dirty="0"/>
+              <a:t>[in</a:t>
+            </a:r>
+            <a:r>
+              <a:rPr lang="en-US" sz="1600" dirty="0"/>
+              <a:t>correct command format</a:t>
+            </a:r>
+            <a:r>
+              <a:rPr lang="en-US" sz="1400" dirty="0"/>
+              <a:t>]</a:t>
+            </a:r>
+            <a:endParaRPr lang="en-SG" sz="1600" dirty="0"/>
+          </a:p>
+        </p:txBody>
+      </p:sp>
     </p:spTree>
     <p:extLst>
       <p:ext uri="{BB962C8B-B14F-4D97-AF65-F5344CB8AC3E}">
